--- a/Presentations/Lab_7_Correction_of_Mistakes.pptx
+++ b/Presentations/Lab_7_Correction_of_Mistakes.pptx
@@ -8,9 +8,10 @@
     <p:notesMasterId r:id="rId10"/>
   </p:notesMasterIdLst>
   <p:sldIdLst>
-    <p:sldId id="256" r:id="rId3"/>
-    <p:sldId id="320" r:id="rId4"/>
-    <p:sldId id="309" r:id="rId5"/>
+    <p:sldId id="256" r:id="rId2"/>
+    <p:sldId id="320" r:id="rId3"/>
+    <p:sldId id="309" r:id="rId4"/>
+    <p:sldId id="321" r:id="rId5"/>
     <p:sldId id="310" r:id="rId6"/>
     <p:sldId id="274" r:id="rId7"/>
     <p:sldId id="304" r:id="rId8"/>
@@ -119,16 +120,30 @@
         <p14:section name="Раздел без заголовка" id="{AF63C7C8-86C6-499B-82F6-2897F31074E8}">
           <p14:sldIdLst>
             <p14:sldId id="256"/>
-            <p14:sldId id="261"/>
-            <p14:sldId id="301"/>
+            <p14:sldId id="320"/>
+            <p14:sldId id="309"/>
+            <p14:sldId id="321"/>
+            <p14:sldId id="310"/>
             <p14:sldId id="274"/>
             <p14:sldId id="304"/>
-            <p14:sldId id="306"/>
-            <p14:sldId id="305"/>
             <p14:sldId id="260"/>
           </p14:sldIdLst>
         </p14:section>
       </p14:sectionLst>
+    </p:ext>
+    <p:ext uri="{EFAFB233-063F-42B5-8137-9DF3F51BA10A}">
+      <p15:sldGuideLst xmlns:p15="http://schemas.microsoft.com/office/powerpoint/2012/main">
+        <p15:guide id="1" orient="horz" pos="2205">
+          <p15:clr>
+            <a:srgbClr val="A4A3A4"/>
+          </p15:clr>
+        </p15:guide>
+        <p15:guide id="2" pos="2863">
+          <p15:clr>
+            <a:srgbClr val="A4A3A4"/>
+          </p15:clr>
+        </p15:guide>
+      </p15:sldGuideLst>
     </p:ext>
   </p:extLst>
 </p:presentation>
@@ -216,6 +231,7 @@
           <a:p>
             <a:fld id="{81CFF8C7-C57D-4492-855C-AD914604A572}" type="datetimeFigureOut">
               <a:rPr lang="ru-RU" smtClean="0"/>
+              <a:t>23.11.2018</a:t>
             </a:fld>
             <a:endParaRPr lang="ru-RU"/>
           </a:p>
@@ -282,7 +298,6 @@
               <a:rPr lang="ru-RU"/>
               <a:t>Образец текста</a:t>
             </a:r>
-            <a:endParaRPr lang="ru-RU"/>
           </a:p>
           <a:p>
             <a:pPr lvl="1"/>
@@ -290,7 +305,6 @@
               <a:rPr lang="ru-RU"/>
               <a:t>Второй уровень</a:t>
             </a:r>
-            <a:endParaRPr lang="ru-RU"/>
           </a:p>
           <a:p>
             <a:pPr lvl="2"/>
@@ -298,7 +312,6 @@
               <a:rPr lang="ru-RU"/>
               <a:t>Третий уровень</a:t>
             </a:r>
-            <a:endParaRPr lang="ru-RU"/>
           </a:p>
           <a:p>
             <a:pPr lvl="3"/>
@@ -306,7 +319,6 @@
               <a:rPr lang="ru-RU"/>
               <a:t>Четвертый уровень</a:t>
             </a:r>
-            <a:endParaRPr lang="ru-RU"/>
           </a:p>
           <a:p>
             <a:pPr lvl="4"/>
@@ -377,6 +389,7 @@
           <a:p>
             <a:fld id="{0CF71528-B6E9-4397-B8DB-FB98764CBEEF}" type="slidenum">
               <a:rPr lang="ru-RU" smtClean="0"/>
+              <a:t>‹#›</a:t>
             </a:fld>
             <a:endParaRPr lang="ru-RU"/>
           </a:p>
@@ -757,7 +770,6 @@
               <a:rPr lang="ru-RU" dirty="0"/>
               <a:t>Образец текста</a:t>
             </a:r>
-            <a:endParaRPr lang="ru-RU" dirty="0"/>
           </a:p>
           <a:p>
             <a:pPr lvl="1"/>
@@ -765,7 +777,6 @@
               <a:rPr lang="ru-RU" dirty="0"/>
               <a:t>Второй уровень</a:t>
             </a:r>
-            <a:endParaRPr lang="ru-RU" dirty="0"/>
           </a:p>
           <a:p>
             <a:pPr lvl="2"/>
@@ -773,7 +784,6 @@
               <a:rPr lang="ru-RU" dirty="0"/>
               <a:t>Третий уровень</a:t>
             </a:r>
-            <a:endParaRPr lang="ru-RU" dirty="0"/>
           </a:p>
           <a:p>
             <a:pPr lvl="3"/>
@@ -781,7 +791,6 @@
               <a:rPr lang="ru-RU" dirty="0"/>
               <a:t>Четвертый уровень</a:t>
             </a:r>
-            <a:endParaRPr lang="ru-RU" dirty="0"/>
           </a:p>
           <a:p>
             <a:pPr lvl="4"/>
@@ -818,6 +827,7 @@
           <a:p>
             <a:fld id="{33067CA6-2D92-4602-87FB-B81B94BA46B2}" type="slidenum">
               <a:rPr lang="ru-RU" smtClean="0"/>
+              <a:t>‹#›</a:t>
             </a:fld>
             <a:endParaRPr lang="ru-RU" dirty="0"/>
           </a:p>
@@ -1076,7 +1086,6 @@
               <a:rPr lang="ru-RU" dirty="0"/>
               <a:t>Образец текста</a:t>
             </a:r>
-            <a:endParaRPr lang="ru-RU" dirty="0"/>
           </a:p>
           <a:p>
             <a:pPr lvl="1"/>
@@ -1084,7 +1093,6 @@
               <a:rPr lang="ru-RU" dirty="0"/>
               <a:t>Второй уровень</a:t>
             </a:r>
-            <a:endParaRPr lang="ru-RU" dirty="0"/>
           </a:p>
           <a:p>
             <a:pPr lvl="2"/>
@@ -1092,7 +1100,6 @@
               <a:rPr lang="ru-RU" dirty="0"/>
               <a:t>Третий уровень</a:t>
             </a:r>
-            <a:endParaRPr lang="ru-RU" dirty="0"/>
           </a:p>
           <a:p>
             <a:pPr lvl="3"/>
@@ -1100,7 +1107,6 @@
               <a:rPr lang="ru-RU" dirty="0"/>
               <a:t>Четвертый уровень</a:t>
             </a:r>
-            <a:endParaRPr lang="ru-RU" dirty="0"/>
           </a:p>
           <a:p>
             <a:pPr lvl="4"/>
@@ -1137,6 +1143,7 @@
           <a:p>
             <a:fld id="{33067CA6-2D92-4602-87FB-B81B94BA46B2}" type="slidenum">
               <a:rPr lang="ru-RU" smtClean="0"/>
+              <a:t>‹#›</a:t>
             </a:fld>
             <a:endParaRPr lang="ru-RU" dirty="0"/>
           </a:p>
@@ -1252,6 +1259,7 @@
           <a:p>
             <a:fld id="{33067CA6-2D92-4602-87FB-B81B94BA46B2}" type="slidenum">
               <a:rPr lang="ru-RU" smtClean="0"/>
+              <a:t>‹#›</a:t>
             </a:fld>
             <a:endParaRPr lang="ru-RU" dirty="0"/>
           </a:p>
@@ -1282,7 +1290,6 @@
               <a:rPr lang="ru-RU" dirty="0"/>
               <a:t>Образец текста</a:t>
             </a:r>
-            <a:endParaRPr lang="ru-RU" dirty="0"/>
           </a:p>
           <a:p>
             <a:pPr lvl="1"/>
@@ -1290,7 +1297,6 @@
               <a:rPr lang="ru-RU" dirty="0"/>
               <a:t>Второй уровень</a:t>
             </a:r>
-            <a:endParaRPr lang="ru-RU" dirty="0"/>
           </a:p>
           <a:p>
             <a:pPr lvl="2"/>
@@ -1298,7 +1304,6 @@
               <a:rPr lang="ru-RU" dirty="0"/>
               <a:t>Третий уровень</a:t>
             </a:r>
-            <a:endParaRPr lang="ru-RU" dirty="0"/>
           </a:p>
           <a:p>
             <a:pPr lvl="3"/>
@@ -1306,7 +1311,6 @@
               <a:rPr lang="ru-RU" dirty="0"/>
               <a:t>Четвертый уровень</a:t>
             </a:r>
-            <a:endParaRPr lang="ru-RU" dirty="0"/>
           </a:p>
           <a:p>
             <a:pPr lvl="4"/>
@@ -1598,7 +1602,7 @@
     <p:bg>
       <p:bgPr>
         <a:blipFill dpi="0" rotWithShape="1">
-          <a:blip r:embed="rId6">
+          <a:blip r:embed="rId7">
             <a:lum/>
           </a:blip>
           <a:srcRect/>
@@ -1685,7 +1689,6 @@
               <a:rPr lang="ru-RU"/>
               <a:t>Образец текста</a:t>
             </a:r>
-            <a:endParaRPr lang="ru-RU"/>
           </a:p>
           <a:p>
             <a:pPr lvl="1"/>
@@ -1693,7 +1696,6 @@
               <a:rPr lang="ru-RU"/>
               <a:t>Второй уровень</a:t>
             </a:r>
-            <a:endParaRPr lang="ru-RU"/>
           </a:p>
           <a:p>
             <a:pPr lvl="2"/>
@@ -1701,7 +1703,6 @@
               <a:rPr lang="ru-RU"/>
               <a:t>Третий уровень</a:t>
             </a:r>
-            <a:endParaRPr lang="ru-RU"/>
           </a:p>
           <a:p>
             <a:pPr lvl="3"/>
@@ -1709,7 +1710,6 @@
               <a:rPr lang="ru-RU"/>
               <a:t>Четвертый уровень</a:t>
             </a:r>
-            <a:endParaRPr lang="ru-RU"/>
           </a:p>
           <a:p>
             <a:pPr lvl="4"/>
@@ -1755,6 +1755,7 @@
           <a:p>
             <a:fld id="{B3D7935A-E16E-4B6D-89BB-CEE100CDDA09}" type="datetime1">
               <a:rPr lang="ru-RU" smtClean="0"/>
+              <a:t>23.11.2018</a:t>
             </a:fld>
             <a:endParaRPr lang="ru-RU"/>
           </a:p>
@@ -1832,6 +1833,7 @@
           <a:p>
             <a:fld id="{33067CA6-2D92-4602-87FB-B81B94BA46B2}" type="slidenum">
               <a:rPr lang="ru-RU" smtClean="0"/>
+              <a:t>‹#›</a:t>
             </a:fld>
             <a:endParaRPr lang="ru-RU"/>
           </a:p>
@@ -2180,9 +2182,6 @@
               </a:rPr>
               <a:t>Герман Константинович</a:t>
             </a:r>
-            <a:endParaRPr lang="ru-RU" altLang="ru-RU" sz="2400" dirty="0">
-              <a:latin typeface="Noto Sans UI" charset="0"/>
-            </a:endParaRPr>
           </a:p>
           <a:p>
             <a:pPr algn="r"/>
@@ -2260,12 +2259,6 @@
               </a:rPr>
               <a:t>Задачи на пару</a:t>
             </a:r>
-            <a:endParaRPr lang="x-none" altLang="en-US" dirty="0">
-              <a:solidFill>
-                <a:srgbClr val="9F2D20"/>
-              </a:solidFill>
-              <a:sym typeface="+mn-ea"/>
-            </a:endParaRPr>
           </a:p>
         </p:txBody>
       </p:sp>
@@ -2286,6 +2279,7 @@
           <a:p>
             <a:fld id="{33067CA6-2D92-4602-87FB-B81B94BA46B2}" type="slidenum">
               <a:rPr lang="ru-RU" smtClean="0"/>
+              <a:t>2</a:t>
             </a:fld>
             <a:endParaRPr lang="ru-RU" dirty="0"/>
           </a:p>
@@ -2357,11 +2351,6 @@
               </a:rPr>
               <a:t>РАБОТА НАД ОШИБКАМИ</a:t>
             </a:r>
-            <a:endParaRPr lang="x-none" altLang="en-US" sz="4000" dirty="0">
-              <a:solidFill>
-                <a:srgbClr val="9F2D20"/>
-              </a:solidFill>
-            </a:endParaRPr>
           </a:p>
           <a:p>
             <a:endParaRPr lang="x-none" altLang="ru-RU" sz="2300" dirty="0"/>
@@ -2416,13 +2405,13 @@
           <a:lstStyle/>
           <a:p>
             <a:r>
-              <a:rPr lang="x-none" altLang="en-US" dirty="0">
+              <a:rPr lang="ru-RU" altLang="en-US" dirty="0">
                 <a:solidFill>
                   <a:srgbClr val="9F2D20"/>
                 </a:solidFill>
                 <a:sym typeface="+mn-ea"/>
               </a:rPr>
-              <a:t>Запросы #1-3</a:t>
+              <a:t>О таблицах</a:t>
             </a:r>
             <a:endParaRPr lang="x-none" altLang="en-US" dirty="0">
               <a:solidFill>
@@ -2450,259 +2439,48 @@
           <a:p>
             <a:fld id="{33067CA6-2D92-4602-87FB-B81B94BA46B2}" type="slidenum">
               <a:rPr lang="ru-RU" smtClean="0"/>
+              <a:t>3</a:t>
             </a:fld>
             <a:endParaRPr lang="ru-RU" dirty="0"/>
           </a:p>
         </p:txBody>
       </p:sp>
-      <p:sp>
-        <p:nvSpPr>
-          <p:cNvPr id="5" name="TextBox 4"/>
-          <p:cNvSpPr txBox="1"/>
+      <p:pic>
+        <p:nvPicPr>
+          <p:cNvPr id="6" name="Рисунок 5">
+            <a:extLst>
+              <a:ext uri="{FF2B5EF4-FFF2-40B4-BE49-F238E27FC236}">
+                <a16:creationId xmlns:a16="http://schemas.microsoft.com/office/drawing/2014/main" id="{DC1604B1-DEC2-4488-8BCA-0A508E17EB56}"/>
+              </a:ext>
+            </a:extLst>
+          </p:cNvPr>
+          <p:cNvPicPr>
+            <a:picLocks noChangeAspect="1"/>
+          </p:cNvPicPr>
           <p:nvPr/>
-        </p:nvSpPr>
+        </p:nvPicPr>
+        <p:blipFill>
+          <a:blip r:embed="rId2">
+            <a:extLst>
+              <a:ext uri="{28A0092B-C50C-407E-A947-70E740481C1C}">
+                <a14:useLocalDpi xmlns:a14="http://schemas.microsoft.com/office/drawing/2010/main" val="0"/>
+              </a:ext>
+            </a:extLst>
+          </a:blip>
+          <a:stretch>
+            <a:fillRect/>
+          </a:stretch>
+        </p:blipFill>
         <p:spPr>
           <a:xfrm>
-            <a:off x="280670" y="1269365"/>
-            <a:ext cx="8362315" cy="4138930"/>
+            <a:off x="0" y="1021804"/>
+            <a:ext cx="9144000" cy="5143500"/>
           </a:xfrm>
           <a:prstGeom prst="rect">
             <a:avLst/>
           </a:prstGeom>
-          <a:noFill/>
         </p:spPr>
-        <p:txBody>
-          <a:bodyPr wrap="square" rtlCol="0" anchor="t">
-            <a:spAutoFit/>
-          </a:bodyPr>
-          <a:lstStyle/>
-          <a:p>
-            <a:r>
-              <a:rPr sz="2400" dirty="0">
-                <a:solidFill>
-                  <a:srgbClr val="9F2D20"/>
-                </a:solidFill>
-              </a:rPr>
-              <a:t>SELECT </a:t>
-            </a:r>
-            <a:r>
-              <a:rPr lang="x-none" sz="2400" dirty="0"/>
-              <a:t>s.lastname, s.firstname </a:t>
-            </a:r>
-            <a:endParaRPr lang="x-none" sz="2400" dirty="0"/>
-          </a:p>
-          <a:p>
-            <a:r>
-              <a:rPr sz="2400" dirty="0">
-                <a:solidFill>
-                  <a:srgbClr val="9F2D20"/>
-                </a:solidFill>
-              </a:rPr>
-              <a:t>FROM </a:t>
-            </a:r>
-            <a:r>
-              <a:rPr lang="x-none" sz="2400" dirty="0"/>
-              <a:t>students </a:t>
-            </a:r>
-            <a:r>
-              <a:rPr lang="x-none" sz="2400" dirty="0">
-                <a:solidFill>
-                  <a:srgbClr val="9F2D20"/>
-                </a:solidFill>
-              </a:rPr>
-              <a:t>AS </a:t>
-            </a:r>
-            <a:r>
-              <a:rPr lang="x-none" sz="2400" dirty="0"/>
-              <a:t>s</a:t>
-            </a:r>
-            <a:endParaRPr lang="x-none" sz="2400" dirty="0"/>
-          </a:p>
-          <a:p>
-            <a:r>
-              <a:rPr lang="x-none" altLang="ru-RU" sz="2400" dirty="0">
-                <a:solidFill>
-                  <a:srgbClr val="9F2D20"/>
-                </a:solidFill>
-              </a:rPr>
-              <a:t>ORDER BY</a:t>
-            </a:r>
-            <a:r>
-              <a:rPr lang="x-none" altLang="ru-RU" sz="2400" dirty="0"/>
-              <a:t> s.lastname</a:t>
-            </a:r>
-            <a:endParaRPr lang="x-none" altLang="ru-RU" sz="2400" dirty="0"/>
-          </a:p>
-          <a:p>
-            <a:endParaRPr lang="x-none" altLang="ru-RU" sz="2400" dirty="0"/>
-          </a:p>
-          <a:p>
-            <a:r>
-              <a:rPr lang="x-none" altLang="ru-RU" sz="2400" dirty="0">
-                <a:solidFill>
-                  <a:srgbClr val="9F2D20"/>
-                </a:solidFill>
-              </a:rPr>
-              <a:t>SELECT </a:t>
-            </a:r>
-            <a:r>
-              <a:rPr lang="x-none" altLang="ru-RU" sz="2400" dirty="0"/>
-              <a:t>g.number, s.lastname, s.firstname</a:t>
-            </a:r>
-            <a:endParaRPr lang="x-none" altLang="ru-RU" sz="2400" dirty="0"/>
-          </a:p>
-          <a:p>
-            <a:r>
-              <a:rPr lang="x-none" altLang="ru-RU" sz="2400" dirty="0">
-                <a:solidFill>
-                  <a:srgbClr val="9F2D20"/>
-                </a:solidFill>
-              </a:rPr>
-              <a:t>FROM </a:t>
-            </a:r>
-            <a:r>
-              <a:rPr lang="x-none" altLang="ru-RU" sz="2400" dirty="0"/>
-              <a:t>students </a:t>
-            </a:r>
-            <a:r>
-              <a:rPr lang="x-none" altLang="ru-RU" sz="2400" dirty="0">
-                <a:solidFill>
-                  <a:srgbClr val="9F2D20"/>
-                </a:solidFill>
-              </a:rPr>
-              <a:t>AS </a:t>
-            </a:r>
-            <a:r>
-              <a:rPr lang="x-none" altLang="ru-RU" sz="2400" dirty="0"/>
-              <a:t>s</a:t>
-            </a:r>
-            <a:endParaRPr lang="x-none" altLang="ru-RU" sz="2400" dirty="0"/>
-          </a:p>
-          <a:p>
-            <a:r>
-              <a:rPr lang="x-none" altLang="ru-RU" sz="2400" dirty="0">
-                <a:solidFill>
-                  <a:srgbClr val="9F2D20"/>
-                </a:solidFill>
-              </a:rPr>
-              <a:t>INNER JOIN</a:t>
-            </a:r>
-            <a:r>
-              <a:rPr lang="x-none" altLang="ru-RU" sz="2400" dirty="0"/>
-              <a:t> groups </a:t>
-            </a:r>
-            <a:r>
-              <a:rPr lang="x-none" altLang="ru-RU" sz="2400" dirty="0">
-                <a:solidFill>
-                  <a:srgbClr val="9F2D20"/>
-                </a:solidFill>
-              </a:rPr>
-              <a:t>AS </a:t>
-            </a:r>
-            <a:r>
-              <a:rPr lang="x-none" altLang="ru-RU" sz="2400" dirty="0"/>
-              <a:t>g </a:t>
-            </a:r>
-            <a:r>
-              <a:rPr lang="x-none" altLang="ru-RU" sz="2400" dirty="0">
-                <a:solidFill>
-                  <a:srgbClr val="9F2D20"/>
-                </a:solidFill>
-              </a:rPr>
-              <a:t>ON </a:t>
-            </a:r>
-            <a:r>
-              <a:rPr lang="x-none" altLang="ru-RU" sz="2400" dirty="0"/>
-              <a:t>(g.id = s.group_id)</a:t>
-            </a:r>
-            <a:endParaRPr lang="x-none" altLang="ru-RU" sz="2400" dirty="0"/>
-          </a:p>
-          <a:p>
-            <a:endParaRPr lang="x-none" altLang="ru-RU" sz="2400" dirty="0"/>
-          </a:p>
-          <a:p>
-            <a:r>
-              <a:rPr lang="x-none" altLang="ru-RU" sz="2400" dirty="0">
-                <a:solidFill>
-                  <a:srgbClr val="9F2D20"/>
-                </a:solidFill>
-              </a:rPr>
-              <a:t>SELECT </a:t>
-            </a:r>
-            <a:r>
-              <a:rPr lang="x-none" altLang="ru-RU" sz="2400" dirty="0"/>
-              <a:t>g.number, s.lastname, s.firstname</a:t>
-            </a:r>
-            <a:endParaRPr lang="x-none" altLang="ru-RU" sz="2400" dirty="0"/>
-          </a:p>
-          <a:p>
-            <a:r>
-              <a:rPr lang="x-none" altLang="ru-RU" sz="2400" dirty="0">
-                <a:solidFill>
-                  <a:srgbClr val="9F2D20"/>
-                </a:solidFill>
-              </a:rPr>
-              <a:t>FROM </a:t>
-            </a:r>
-            <a:r>
-              <a:rPr lang="x-none" altLang="ru-RU" sz="2400" dirty="0"/>
-              <a:t>students </a:t>
-            </a:r>
-            <a:r>
-              <a:rPr lang="x-none" altLang="ru-RU" sz="2400" dirty="0">
-                <a:solidFill>
-                  <a:srgbClr val="9F2D20"/>
-                </a:solidFill>
-              </a:rPr>
-              <a:t>AS </a:t>
-            </a:r>
-            <a:r>
-              <a:rPr lang="x-none" altLang="ru-RU" sz="2400" dirty="0"/>
-              <a:t>s</a:t>
-            </a:r>
-            <a:endParaRPr lang="x-none" altLang="ru-RU" sz="2400" dirty="0"/>
-          </a:p>
-          <a:p>
-            <a:r>
-              <a:rPr lang="x-none" altLang="ru-RU" sz="2400" dirty="0">
-                <a:solidFill>
-                  <a:srgbClr val="9F2D20"/>
-                </a:solidFill>
-              </a:rPr>
-              <a:t>LEFT JOIN</a:t>
-            </a:r>
-            <a:r>
-              <a:rPr lang="x-none" altLang="ru-RU" sz="2400" dirty="0"/>
-              <a:t> groups </a:t>
-            </a:r>
-            <a:r>
-              <a:rPr lang="x-none" altLang="ru-RU" sz="2400" dirty="0">
-                <a:solidFill>
-                  <a:srgbClr val="9F2D20"/>
-                </a:solidFill>
-              </a:rPr>
-              <a:t>AS </a:t>
-            </a:r>
-            <a:r>
-              <a:rPr lang="x-none" altLang="ru-RU" sz="2400" dirty="0"/>
-              <a:t>g </a:t>
-            </a:r>
-            <a:r>
-              <a:rPr lang="x-none" altLang="ru-RU" sz="2400" dirty="0">
-                <a:solidFill>
-                  <a:srgbClr val="9F2D20"/>
-                </a:solidFill>
-              </a:rPr>
-              <a:t>ON </a:t>
-            </a:r>
-            <a:r>
-              <a:rPr lang="x-none" altLang="ru-RU" sz="2400" dirty="0"/>
-              <a:t>(g.id = s.group_id)</a:t>
-            </a:r>
-            <a:endParaRPr lang="x-none" altLang="ru-RU" sz="2400" dirty="0"/>
-          </a:p>
-        </p:txBody>
-      </p:sp>
+      </p:pic>
     </p:spTree>
   </p:cSld>
   <p:clrMapOvr>
@@ -2757,7 +2535,7 @@
                 </a:solidFill>
                 <a:sym typeface="+mn-ea"/>
               </a:rPr>
-              <a:t>Запрос #4</a:t>
+              <a:t>Запросы #1-3</a:t>
             </a:r>
           </a:p>
         </p:txBody>
@@ -2779,6 +2557,7 @@
           <a:p>
             <a:fld id="{33067CA6-2D92-4602-87FB-B81B94BA46B2}" type="slidenum">
               <a:rPr lang="ru-RU" smtClean="0"/>
+              <a:t>4</a:t>
             </a:fld>
             <a:endParaRPr lang="ru-RU" dirty="0"/>
           </a:p>
@@ -2793,7 +2572,7 @@
         <p:spPr>
           <a:xfrm>
             <a:off x="280670" y="1269365"/>
-            <a:ext cx="8362315" cy="3970020"/>
+            <a:ext cx="8362315" cy="4138930"/>
           </a:xfrm>
           <a:prstGeom prst="rect">
             <a:avLst/>
@@ -2806,327 +2585,229 @@
           </a:bodyPr>
           <a:lstStyle/>
           <a:p>
-            <a:endParaRPr lang="x-none" sz="2300" dirty="0">
-              <a:solidFill>
-                <a:srgbClr val="9F2D20"/>
-              </a:solidFill>
-              <a:sym typeface="+mn-ea"/>
-            </a:endParaRPr>
-          </a:p>
-          <a:p>
-            <a:r>
-              <a:rPr lang="x-none" sz="2300" dirty="0">
+            <a:r>
+              <a:rPr sz="2400" dirty="0">
                 <a:solidFill>
                   <a:srgbClr val="9F2D20"/>
                 </a:solidFill>
-                <a:sym typeface="+mn-ea"/>
               </a:rPr>
               <a:t>SELECT </a:t>
             </a:r>
             <a:r>
-              <a:rPr lang="x-none" sz="2300" dirty="0">
-                <a:solidFill>
-                  <a:schemeClr val="tx1"/>
-                </a:solidFill>
-                <a:sym typeface="+mn-ea"/>
-              </a:rPr>
-              <a:t>g.number, count(*) </a:t>
-            </a:r>
-            <a:r>
-              <a:rPr lang="x-none" sz="2300" dirty="0">
+              <a:rPr lang="x-none" sz="2400" dirty="0"/>
+              <a:t>s.lastname, s.firstname </a:t>
+            </a:r>
+          </a:p>
+          <a:p>
+            <a:r>
+              <a:rPr sz="2400" dirty="0">
                 <a:solidFill>
                   <a:srgbClr val="9F2D20"/>
                 </a:solidFill>
-                <a:sym typeface="+mn-ea"/>
+              </a:rPr>
+              <a:t>FROM </a:t>
+            </a:r>
+            <a:r>
+              <a:rPr lang="x-none" sz="2400" dirty="0"/>
+              <a:t>students </a:t>
+            </a:r>
+            <a:r>
+              <a:rPr lang="x-none" sz="2400" dirty="0">
+                <a:solidFill>
+                  <a:srgbClr val="9F2D20"/>
+                </a:solidFill>
               </a:rPr>
               <a:t>AS </a:t>
             </a:r>
             <a:r>
-              <a:rPr lang="x-none" sz="2300" dirty="0">
-                <a:solidFill>
-                  <a:schemeClr val="tx1"/>
-                </a:solidFill>
-                <a:sym typeface="+mn-ea"/>
-              </a:rPr>
-              <a:t>student_amount </a:t>
-            </a:r>
-            <a:endParaRPr lang="x-none" sz="2300" dirty="0">
-              <a:solidFill>
-                <a:schemeClr val="tx1"/>
-              </a:solidFill>
-              <a:sym typeface="+mn-ea"/>
-            </a:endParaRPr>
-          </a:p>
-          <a:p>
-            <a:r>
-              <a:rPr lang="x-none" sz="2300" dirty="0">
+              <a:rPr lang="x-none" sz="2400" dirty="0"/>
+              <a:t>s</a:t>
+            </a:r>
+          </a:p>
+          <a:p>
+            <a:r>
+              <a:rPr lang="x-none" altLang="ru-RU" sz="2400" dirty="0">
                 <a:solidFill>
                   <a:srgbClr val="9F2D20"/>
                 </a:solidFill>
-                <a:sym typeface="+mn-ea"/>
+              </a:rPr>
+              <a:t>ORDER BY</a:t>
+            </a:r>
+            <a:r>
+              <a:rPr lang="x-none" altLang="ru-RU" sz="2400" dirty="0"/>
+              <a:t> s.lastname</a:t>
+            </a:r>
+          </a:p>
+          <a:p>
+            <a:endParaRPr lang="x-none" altLang="ru-RU" sz="2400" dirty="0"/>
+          </a:p>
+          <a:p>
+            <a:r>
+              <a:rPr lang="x-none" altLang="ru-RU" sz="2400" dirty="0">
+                <a:solidFill>
+                  <a:srgbClr val="9F2D20"/>
+                </a:solidFill>
+              </a:rPr>
+              <a:t>SELECT </a:t>
+            </a:r>
+            <a:r>
+              <a:rPr lang="x-none" altLang="ru-RU" sz="2400" dirty="0"/>
+              <a:t>g.number, s.lastname, s.firstname</a:t>
+            </a:r>
+          </a:p>
+          <a:p>
+            <a:r>
+              <a:rPr lang="x-none" altLang="ru-RU" sz="2400" dirty="0">
+                <a:solidFill>
+                  <a:srgbClr val="9F2D20"/>
+                </a:solidFill>
               </a:rPr>
               <a:t>FROM </a:t>
             </a:r>
             <a:r>
-              <a:rPr lang="x-none" sz="2300" dirty="0">
-                <a:solidFill>
-                  <a:schemeClr val="tx1"/>
-                </a:solidFill>
-                <a:sym typeface="+mn-ea"/>
-              </a:rPr>
+              <a:rPr lang="x-none" altLang="ru-RU" sz="2400" dirty="0"/>
               <a:t>students </a:t>
             </a:r>
             <a:r>
-              <a:rPr lang="x-none" sz="2300" dirty="0">
+              <a:rPr lang="x-none" altLang="ru-RU" sz="2400" dirty="0">
                 <a:solidFill>
                   <a:srgbClr val="9F2D20"/>
                 </a:solidFill>
-                <a:sym typeface="+mn-ea"/>
               </a:rPr>
               <a:t>AS </a:t>
             </a:r>
             <a:r>
-              <a:rPr lang="x-none" sz="2300" dirty="0">
-                <a:solidFill>
-                  <a:schemeClr val="tx1"/>
-                </a:solidFill>
-                <a:sym typeface="+mn-ea"/>
-              </a:rPr>
-              <a:t>s </a:t>
-            </a:r>
-            <a:endParaRPr lang="x-none" sz="2300" dirty="0">
-              <a:solidFill>
-                <a:schemeClr val="tx1"/>
-              </a:solidFill>
-              <a:sym typeface="+mn-ea"/>
-            </a:endParaRPr>
-          </a:p>
-          <a:p>
-            <a:r>
-              <a:rPr lang="x-none" sz="2300" dirty="0">
+              <a:rPr lang="x-none" altLang="ru-RU" sz="2400" dirty="0"/>
+              <a:t>s</a:t>
+            </a:r>
+          </a:p>
+          <a:p>
+            <a:r>
+              <a:rPr lang="x-none" altLang="ru-RU" sz="2400" dirty="0">
                 <a:solidFill>
                   <a:srgbClr val="9F2D20"/>
                 </a:solidFill>
-                <a:sym typeface="+mn-ea"/>
               </a:rPr>
               <a:t>INNER JOIN</a:t>
             </a:r>
             <a:r>
-              <a:rPr lang="x-none" sz="2300" dirty="0">
-                <a:solidFill>
-                  <a:schemeClr val="tx1"/>
-                </a:solidFill>
-                <a:sym typeface="+mn-ea"/>
-              </a:rPr>
+              <a:rPr lang="x-none" altLang="ru-RU" sz="2400" dirty="0"/>
               <a:t> groups </a:t>
             </a:r>
             <a:r>
-              <a:rPr lang="x-none" sz="2300" dirty="0">
+              <a:rPr lang="x-none" altLang="ru-RU" sz="2400" dirty="0">
                 <a:solidFill>
                   <a:srgbClr val="9F2D20"/>
                 </a:solidFill>
-                <a:sym typeface="+mn-ea"/>
               </a:rPr>
               <a:t>AS </a:t>
             </a:r>
             <a:r>
-              <a:rPr lang="x-none" sz="2300" dirty="0">
-                <a:solidFill>
-                  <a:schemeClr val="tx1"/>
-                </a:solidFill>
-                <a:sym typeface="+mn-ea"/>
-              </a:rPr>
-              <a:t>g ON ()</a:t>
-            </a:r>
-            <a:endParaRPr lang="x-none" sz="2300" dirty="0">
-              <a:solidFill>
-                <a:schemeClr val="tx1"/>
-              </a:solidFill>
-              <a:sym typeface="+mn-ea"/>
-            </a:endParaRPr>
-          </a:p>
-          <a:p>
-            <a:r>
-              <a:rPr lang="x-none" sz="2300" dirty="0">
+              <a:rPr lang="x-none" altLang="ru-RU" sz="2400" dirty="0"/>
+              <a:t>g </a:t>
+            </a:r>
+            <a:r>
+              <a:rPr lang="x-none" altLang="ru-RU" sz="2400" dirty="0">
                 <a:solidFill>
                   <a:srgbClr val="9F2D20"/>
                 </a:solidFill>
-                <a:sym typeface="+mn-ea"/>
-              </a:rPr>
-              <a:t>GROUP BY</a:t>
-            </a:r>
-            <a:r>
-              <a:rPr lang="x-none" sz="2300" dirty="0">
-                <a:solidFill>
-                  <a:schemeClr val="tx1"/>
-                </a:solidFill>
-                <a:sym typeface="+mn-ea"/>
-              </a:rPr>
-              <a:t> g.id</a:t>
-            </a:r>
-            <a:endParaRPr lang="x-none" sz="2300" dirty="0">
-              <a:solidFill>
-                <a:schemeClr val="tx1"/>
-              </a:solidFill>
-              <a:sym typeface="+mn-ea"/>
-            </a:endParaRPr>
-          </a:p>
-          <a:p>
-            <a:endParaRPr lang="x-none" sz="2300" dirty="0">
-              <a:solidFill>
-                <a:schemeClr val="tx1"/>
-              </a:solidFill>
-              <a:sym typeface="+mn-ea"/>
-            </a:endParaRPr>
-          </a:p>
-          <a:p>
-            <a:r>
-              <a:rPr lang="x-none" sz="2300" dirty="0">
+              </a:rPr>
+              <a:t>ON </a:t>
+            </a:r>
+            <a:r>
+              <a:rPr lang="x-none" altLang="ru-RU" sz="2400" dirty="0"/>
+              <a:t>(g.id = s.group_id)</a:t>
+            </a:r>
+          </a:p>
+          <a:p>
+            <a:endParaRPr lang="x-none" altLang="ru-RU" sz="2400" dirty="0"/>
+          </a:p>
+          <a:p>
+            <a:r>
+              <a:rPr lang="x-none" altLang="ru-RU" sz="2400" dirty="0">
                 <a:solidFill>
                   <a:srgbClr val="9F2D20"/>
                 </a:solidFill>
-                <a:sym typeface="+mn-ea"/>
               </a:rPr>
               <a:t>SELECT </a:t>
             </a:r>
             <a:r>
-              <a:rPr lang="x-none" sz="2300" dirty="0">
-                <a:sym typeface="+mn-ea"/>
-              </a:rPr>
-              <a:t>g.number, count(*) </a:t>
-            </a:r>
-            <a:r>
-              <a:rPr lang="x-none" sz="2300" dirty="0">
+              <a:rPr lang="x-none" altLang="ru-RU" sz="2400" dirty="0"/>
+              <a:t>g.number, s.lastname, s.firstname</a:t>
+            </a:r>
+          </a:p>
+          <a:p>
+            <a:r>
+              <a:rPr lang="x-none" altLang="ru-RU" sz="2400" dirty="0">
                 <a:solidFill>
                   <a:srgbClr val="9F2D20"/>
                 </a:solidFill>
-                <a:sym typeface="+mn-ea"/>
+              </a:rPr>
+              <a:t>FROM </a:t>
+            </a:r>
+            <a:r>
+              <a:rPr lang="x-none" altLang="ru-RU" sz="2400" dirty="0"/>
+              <a:t>students </a:t>
+            </a:r>
+            <a:r>
+              <a:rPr lang="x-none" altLang="ru-RU" sz="2400" dirty="0">
+                <a:solidFill>
+                  <a:srgbClr val="9F2D20"/>
+                </a:solidFill>
               </a:rPr>
               <a:t>AS </a:t>
             </a:r>
             <a:r>
-              <a:rPr lang="x-none" sz="2300" dirty="0">
-                <a:sym typeface="+mn-ea"/>
-              </a:rPr>
-              <a:t>student_amount </a:t>
-            </a:r>
-            <a:endParaRPr lang="x-none" sz="2300" dirty="0">
-              <a:solidFill>
-                <a:schemeClr val="tx1"/>
-              </a:solidFill>
-              <a:sym typeface="+mn-ea"/>
-            </a:endParaRPr>
-          </a:p>
-          <a:p>
-            <a:r>
-              <a:rPr lang="x-none" sz="2300" dirty="0">
+              <a:rPr lang="x-none" altLang="ru-RU" sz="2400" dirty="0"/>
+              <a:t>s</a:t>
+            </a:r>
+          </a:p>
+          <a:p>
+            <a:r>
+              <a:rPr lang="x-none" altLang="ru-RU" sz="2400" dirty="0">
                 <a:solidFill>
                   <a:srgbClr val="9F2D20"/>
                 </a:solidFill>
-                <a:sym typeface="+mn-ea"/>
-              </a:rPr>
-              <a:t>FROM </a:t>
-            </a:r>
-            <a:r>
-              <a:rPr lang="x-none" sz="2300" dirty="0">
-                <a:sym typeface="+mn-ea"/>
-              </a:rPr>
-              <a:t>students </a:t>
-            </a:r>
-            <a:r>
-              <a:rPr lang="x-none" sz="2300" dirty="0">
+              </a:rPr>
+              <a:t>LEFT JOIN</a:t>
+            </a:r>
+            <a:r>
+              <a:rPr lang="x-none" altLang="ru-RU" sz="2400" dirty="0"/>
+              <a:t> groups </a:t>
+            </a:r>
+            <a:r>
+              <a:rPr lang="x-none" altLang="ru-RU" sz="2400" dirty="0">
                 <a:solidFill>
                   <a:srgbClr val="9F2D20"/>
                 </a:solidFill>
-                <a:sym typeface="+mn-ea"/>
               </a:rPr>
               <a:t>AS </a:t>
             </a:r>
             <a:r>
-              <a:rPr lang="x-none" sz="2300" dirty="0">
-                <a:sym typeface="+mn-ea"/>
-              </a:rPr>
-              <a:t>s </a:t>
-            </a:r>
-            <a:endParaRPr lang="x-none" sz="2300" dirty="0">
-              <a:solidFill>
-                <a:schemeClr val="tx1"/>
-              </a:solidFill>
-              <a:sym typeface="+mn-ea"/>
-            </a:endParaRPr>
-          </a:p>
-          <a:p>
-            <a:r>
-              <a:rPr lang="x-none" sz="2300" dirty="0">
+              <a:rPr lang="x-none" altLang="ru-RU" sz="2400" dirty="0"/>
+              <a:t>g </a:t>
+            </a:r>
+            <a:r>
+              <a:rPr lang="x-none" altLang="ru-RU" sz="2400" dirty="0">
                 <a:solidFill>
                   <a:srgbClr val="9F2D20"/>
                 </a:solidFill>
-                <a:sym typeface="+mn-ea"/>
-              </a:rPr>
-              <a:t>INNER JOIN</a:t>
-            </a:r>
-            <a:r>
-              <a:rPr lang="x-none" sz="2300" dirty="0">
-                <a:sym typeface="+mn-ea"/>
-              </a:rPr>
-              <a:t> groups </a:t>
-            </a:r>
-            <a:r>
-              <a:rPr lang="x-none" sz="2300" dirty="0">
-                <a:solidFill>
-                  <a:srgbClr val="9F2D20"/>
-                </a:solidFill>
-                <a:sym typeface="+mn-ea"/>
-              </a:rPr>
-              <a:t>AS </a:t>
-            </a:r>
-            <a:r>
-              <a:rPr lang="x-none" sz="2300" dirty="0">
-                <a:sym typeface="+mn-ea"/>
-              </a:rPr>
-              <a:t>g ON ()</a:t>
-            </a:r>
-            <a:endParaRPr lang="x-none" sz="2300" dirty="0">
-              <a:solidFill>
-                <a:schemeClr val="tx1"/>
-              </a:solidFill>
-              <a:sym typeface="+mn-ea"/>
-            </a:endParaRPr>
-          </a:p>
-          <a:p>
-            <a:r>
-              <a:rPr lang="x-none" sz="2300" dirty="0">
-                <a:solidFill>
-                  <a:srgbClr val="9F2D20"/>
-                </a:solidFill>
-                <a:sym typeface="+mn-ea"/>
-              </a:rPr>
-              <a:t>GROUP BY</a:t>
-            </a:r>
-            <a:r>
-              <a:rPr lang="x-none" sz="2300" dirty="0">
-                <a:sym typeface="+mn-ea"/>
-              </a:rPr>
-              <a:t> g.id</a:t>
-            </a:r>
-            <a:endParaRPr lang="x-none" sz="2300" dirty="0">
-              <a:solidFill>
-                <a:schemeClr val="tx1"/>
-              </a:solidFill>
-              <a:sym typeface="+mn-ea"/>
-            </a:endParaRPr>
-          </a:p>
-          <a:p>
-            <a:endParaRPr lang="x-none" sz="2300" dirty="0">
-              <a:solidFill>
-                <a:srgbClr val="9F2D20"/>
-              </a:solidFill>
-              <a:sym typeface="+mn-ea"/>
-            </a:endParaRPr>
+              </a:rPr>
+              <a:t>ON </a:t>
+            </a:r>
+            <a:r>
+              <a:rPr lang="x-none" altLang="ru-RU" sz="2400" dirty="0"/>
+              <a:t>(g.id = s.group_id)</a:t>
+            </a:r>
           </a:p>
         </p:txBody>
       </p:sp>
     </p:spTree>
+    <p:extLst>
+      <p:ext uri="{BB962C8B-B14F-4D97-AF65-F5344CB8AC3E}">
+        <p14:creationId xmlns:p14="http://schemas.microsoft.com/office/powerpoint/2010/main" val="3521265806"/>
+      </p:ext>
+    </p:extLst>
   </p:cSld>
   <p:clrMapOvr>
     <a:masterClrMapping/>
@@ -3202,6 +2883,7 @@
           <a:p>
             <a:fld id="{33067CA6-2D92-4602-87FB-B81B94BA46B2}" type="slidenum">
               <a:rPr lang="ru-RU" smtClean="0"/>
+              <a:t>5</a:t>
             </a:fld>
             <a:endParaRPr lang="ru-RU" dirty="0"/>
           </a:p>
@@ -3216,7 +2898,7 @@
         <p:spPr>
           <a:xfrm>
             <a:off x="280670" y="1269365"/>
-            <a:ext cx="8362315" cy="1920240"/>
+            <a:ext cx="8362315" cy="3970020"/>
           </a:xfrm>
           <a:prstGeom prst="rect">
             <a:avLst/>
@@ -3229,15 +2911,16 @@
           </a:bodyPr>
           <a:lstStyle/>
           <a:p>
-            <a:endParaRPr sz="2400">
+            <a:endParaRPr lang="x-none" sz="2300" dirty="0">
               <a:solidFill>
                 <a:srgbClr val="9F2D20"/>
               </a:solidFill>
+              <a:sym typeface="+mn-ea"/>
             </a:endParaRPr>
           </a:p>
           <a:p>
             <a:r>
-              <a:rPr lang="x-none" sz="2400" dirty="0">
+              <a:rPr lang="x-none" sz="2300" dirty="0">
                 <a:solidFill>
                   <a:srgbClr val="9F2D20"/>
                 </a:solidFill>
@@ -3246,13 +2929,16 @@
               <a:t>SELECT </a:t>
             </a:r>
             <a:r>
-              <a:rPr lang="x-none" sz="2400" dirty="0">
-                <a:sym typeface="+mn-ea"/>
-              </a:rPr>
-              <a:t>g.number, count(s.id) </a:t>
-            </a:r>
-            <a:r>
-              <a:rPr lang="x-none" sz="2400" dirty="0">
+              <a:rPr lang="x-none" sz="2300" dirty="0">
+                <a:solidFill>
+                  <a:schemeClr val="tx1"/>
+                </a:solidFill>
+                <a:sym typeface="+mn-ea"/>
+              </a:rPr>
+              <a:t>g.number, count(*) </a:t>
+            </a:r>
+            <a:r>
+              <a:rPr lang="x-none" sz="2300" dirty="0">
                 <a:solidFill>
                   <a:srgbClr val="9F2D20"/>
                 </a:solidFill>
@@ -3261,12 +2947,113 @@
               <a:t>AS </a:t>
             </a:r>
             <a:r>
-              <a:rPr lang="x-none" sz="2400" dirty="0">
+              <a:rPr lang="x-none" sz="2300" dirty="0">
+                <a:solidFill>
+                  <a:schemeClr val="tx1"/>
+                </a:solidFill>
                 <a:sym typeface="+mn-ea"/>
               </a:rPr>
               <a:t>student_amount </a:t>
             </a:r>
-            <a:endParaRPr lang="x-none" sz="2400" dirty="0">
+          </a:p>
+          <a:p>
+            <a:r>
+              <a:rPr lang="x-none" sz="2300" dirty="0">
+                <a:solidFill>
+                  <a:srgbClr val="9F2D20"/>
+                </a:solidFill>
+                <a:sym typeface="+mn-ea"/>
+              </a:rPr>
+              <a:t>FROM </a:t>
+            </a:r>
+            <a:r>
+              <a:rPr lang="x-none" sz="2300" dirty="0">
+                <a:solidFill>
+                  <a:schemeClr val="tx1"/>
+                </a:solidFill>
+                <a:sym typeface="+mn-ea"/>
+              </a:rPr>
+              <a:t>students </a:t>
+            </a:r>
+            <a:r>
+              <a:rPr lang="x-none" sz="2300" dirty="0">
+                <a:solidFill>
+                  <a:srgbClr val="9F2D20"/>
+                </a:solidFill>
+                <a:sym typeface="+mn-ea"/>
+              </a:rPr>
+              <a:t>AS </a:t>
+            </a:r>
+            <a:r>
+              <a:rPr lang="x-none" sz="2300" dirty="0">
+                <a:solidFill>
+                  <a:schemeClr val="tx1"/>
+                </a:solidFill>
+                <a:sym typeface="+mn-ea"/>
+              </a:rPr>
+              <a:t>s </a:t>
+            </a:r>
+          </a:p>
+          <a:p>
+            <a:r>
+              <a:rPr lang="x-none" sz="2300" dirty="0">
+                <a:solidFill>
+                  <a:srgbClr val="9F2D20"/>
+                </a:solidFill>
+                <a:sym typeface="+mn-ea"/>
+              </a:rPr>
+              <a:t>INNER JOIN</a:t>
+            </a:r>
+            <a:r>
+              <a:rPr lang="x-none" sz="2300" dirty="0">
+                <a:solidFill>
+                  <a:schemeClr val="tx1"/>
+                </a:solidFill>
+                <a:sym typeface="+mn-ea"/>
+              </a:rPr>
+              <a:t> groups </a:t>
+            </a:r>
+            <a:r>
+              <a:rPr lang="x-none" sz="2300" dirty="0">
+                <a:solidFill>
+                  <a:srgbClr val="9F2D20"/>
+                </a:solidFill>
+                <a:sym typeface="+mn-ea"/>
+              </a:rPr>
+              <a:t>AS </a:t>
+            </a:r>
+            <a:r>
+              <a:rPr lang="x-none" sz="2300" dirty="0">
+                <a:solidFill>
+                  <a:schemeClr val="tx1"/>
+                </a:solidFill>
+                <a:sym typeface="+mn-ea"/>
+              </a:rPr>
+              <a:t>g ON ()</a:t>
+            </a:r>
+          </a:p>
+          <a:p>
+            <a:r>
+              <a:rPr lang="x-none" sz="2300" dirty="0">
+                <a:solidFill>
+                  <a:srgbClr val="9F2D20"/>
+                </a:solidFill>
+                <a:sym typeface="+mn-ea"/>
+              </a:rPr>
+              <a:t>GROUP BY</a:t>
+            </a:r>
+            <a:r>
+              <a:rPr lang="x-none" sz="2300" dirty="0">
+                <a:solidFill>
+                  <a:schemeClr val="tx1"/>
+                </a:solidFill>
+                <a:sym typeface="+mn-ea"/>
+              </a:rPr>
+              <a:t> g.id</a:t>
+            </a:r>
+          </a:p>
+          <a:p>
+            <a:endParaRPr lang="x-none" sz="2300" dirty="0">
               <a:solidFill>
                 <a:schemeClr val="tx1"/>
               </a:solidFill>
@@ -3275,22 +3062,22 @@
           </a:p>
           <a:p>
             <a:r>
-              <a:rPr lang="x-none" sz="2400" dirty="0">
+              <a:rPr lang="x-none" sz="2300" dirty="0">
                 <a:solidFill>
                   <a:srgbClr val="9F2D20"/>
                 </a:solidFill>
                 <a:sym typeface="+mn-ea"/>
               </a:rPr>
-              <a:t>FROM </a:t>
-            </a:r>
-            <a:r>
-              <a:rPr lang="x-none" sz="2400" dirty="0">
-                <a:sym typeface="+mn-ea"/>
-              </a:rPr>
-              <a:t>students </a:t>
-            </a:r>
-            <a:r>
-              <a:rPr lang="x-none" sz="2400" dirty="0">
+              <a:t>SELECT </a:t>
+            </a:r>
+            <a:r>
+              <a:rPr lang="x-none" sz="2300" dirty="0">
+                <a:sym typeface="+mn-ea"/>
+              </a:rPr>
+              <a:t>g.number, count(*) </a:t>
+            </a:r>
+            <a:r>
+              <a:rPr lang="x-none" sz="2300" dirty="0">
                 <a:solidFill>
                   <a:srgbClr val="9F2D20"/>
                 </a:solidFill>
@@ -3299,12 +3086,12 @@
               <a:t>AS </a:t>
             </a:r>
             <a:r>
-              <a:rPr lang="x-none" sz="2400" dirty="0">
-                <a:sym typeface="+mn-ea"/>
-              </a:rPr>
-              <a:t>s </a:t>
-            </a:r>
-            <a:endParaRPr lang="x-none" sz="2400" dirty="0">
+              <a:rPr lang="x-none" sz="2300" dirty="0">
+                <a:sym typeface="+mn-ea"/>
+              </a:rPr>
+              <a:t>student_amount </a:t>
+            </a:r>
+            <a:endParaRPr lang="x-none" sz="2300" dirty="0">
               <a:solidFill>
                 <a:schemeClr val="tx1"/>
               </a:solidFill>
@@ -3313,22 +3100,22 @@
           </a:p>
           <a:p>
             <a:r>
-              <a:rPr lang="x-none" sz="2400" dirty="0">
+              <a:rPr lang="x-none" sz="2300" dirty="0">
                 <a:solidFill>
                   <a:srgbClr val="9F2D20"/>
                 </a:solidFill>
                 <a:sym typeface="+mn-ea"/>
               </a:rPr>
-              <a:t>INNER JOIN</a:t>
-            </a:r>
-            <a:r>
-              <a:rPr lang="x-none" sz="2400" dirty="0">
-                <a:sym typeface="+mn-ea"/>
-              </a:rPr>
-              <a:t> groups </a:t>
-            </a:r>
-            <a:r>
-              <a:rPr lang="x-none" sz="2400" dirty="0">
+              <a:t>FROM </a:t>
+            </a:r>
+            <a:r>
+              <a:rPr lang="x-none" sz="2300" dirty="0">
+                <a:sym typeface="+mn-ea"/>
+              </a:rPr>
+              <a:t>students </a:t>
+            </a:r>
+            <a:r>
+              <a:rPr lang="x-none" sz="2300" dirty="0">
                 <a:solidFill>
                   <a:srgbClr val="9F2D20"/>
                 </a:solidFill>
@@ -3337,12 +3124,12 @@
               <a:t>AS </a:t>
             </a:r>
             <a:r>
-              <a:rPr lang="x-none" sz="2400" dirty="0">
-                <a:sym typeface="+mn-ea"/>
-              </a:rPr>
-              <a:t>g ON ()</a:t>
-            </a:r>
-            <a:endParaRPr lang="x-none" sz="2400" dirty="0">
+              <a:rPr lang="x-none" sz="2300" dirty="0">
+                <a:sym typeface="+mn-ea"/>
+              </a:rPr>
+              <a:t>s </a:t>
+            </a:r>
+            <a:endParaRPr lang="x-none" sz="2300" dirty="0">
               <a:solidFill>
                 <a:schemeClr val="tx1"/>
               </a:solidFill>
@@ -3351,21 +3138,72 @@
           </a:p>
           <a:p>
             <a:r>
-              <a:rPr lang="x-none" sz="2400" dirty="0">
+              <a:rPr lang="x-none" sz="2300" dirty="0">
                 <a:solidFill>
                   <a:srgbClr val="9F2D20"/>
                 </a:solidFill>
                 <a:sym typeface="+mn-ea"/>
               </a:rPr>
+              <a:t>INNER JOIN</a:t>
+            </a:r>
+            <a:r>
+              <a:rPr lang="x-none" sz="2300" dirty="0">
+                <a:sym typeface="+mn-ea"/>
+              </a:rPr>
+              <a:t> groups </a:t>
+            </a:r>
+            <a:r>
+              <a:rPr lang="x-none" sz="2300" dirty="0">
+                <a:solidFill>
+                  <a:srgbClr val="9F2D20"/>
+                </a:solidFill>
+                <a:sym typeface="+mn-ea"/>
+              </a:rPr>
+              <a:t>AS </a:t>
+            </a:r>
+            <a:r>
+              <a:rPr lang="x-none" sz="2300" dirty="0">
+                <a:sym typeface="+mn-ea"/>
+              </a:rPr>
+              <a:t>g ON ()</a:t>
+            </a:r>
+            <a:endParaRPr lang="x-none" sz="2300" dirty="0">
+              <a:solidFill>
+                <a:schemeClr val="tx1"/>
+              </a:solidFill>
+              <a:sym typeface="+mn-ea"/>
+            </a:endParaRPr>
+          </a:p>
+          <a:p>
+            <a:r>
+              <a:rPr lang="x-none" sz="2300" dirty="0">
+                <a:solidFill>
+                  <a:srgbClr val="9F2D20"/>
+                </a:solidFill>
+                <a:sym typeface="+mn-ea"/>
+              </a:rPr>
               <a:t>GROUP BY</a:t>
             </a:r>
             <a:r>
-              <a:rPr lang="x-none" sz="2400" dirty="0">
+              <a:rPr lang="x-none" sz="2300" dirty="0">
                 <a:sym typeface="+mn-ea"/>
               </a:rPr>
               <a:t> g.id</a:t>
             </a:r>
-            <a:endParaRPr sz="2400"/>
+            <a:endParaRPr lang="x-none" sz="2300" dirty="0">
+              <a:solidFill>
+                <a:schemeClr val="tx1"/>
+              </a:solidFill>
+              <a:sym typeface="+mn-ea"/>
+            </a:endParaRPr>
+          </a:p>
+          <a:p>
+            <a:endParaRPr lang="x-none" sz="2300" dirty="0">
+              <a:solidFill>
+                <a:srgbClr val="9F2D20"/>
+              </a:solidFill>
+              <a:sym typeface="+mn-ea"/>
+            </a:endParaRPr>
           </a:p>
         </p:txBody>
       </p:sp>
@@ -3417,10 +3255,14 @@
           <a:lstStyle/>
           <a:p>
             <a:r>
-              <a:rPr lang="x-none" altLang="en-US" sz="2800" dirty="0"/>
-              <a:t>Ошибки</a:t>
-            </a:r>
-            <a:endParaRPr lang="x-none" altLang="en-US" sz="2800" dirty="0"/>
+              <a:rPr lang="x-none" altLang="en-US" dirty="0">
+                <a:solidFill>
+                  <a:srgbClr val="9F2D20"/>
+                </a:solidFill>
+                <a:sym typeface="+mn-ea"/>
+              </a:rPr>
+              <a:t>Запрос #4</a:t>
+            </a:r>
           </a:p>
         </p:txBody>
       </p:sp>
@@ -3441,6 +3283,246 @@
           <a:p>
             <a:fld id="{33067CA6-2D92-4602-87FB-B81B94BA46B2}" type="slidenum">
               <a:rPr lang="ru-RU" smtClean="0"/>
+              <a:t>6</a:t>
+            </a:fld>
+            <a:endParaRPr lang="ru-RU" dirty="0"/>
+          </a:p>
+        </p:txBody>
+      </p:sp>
+      <p:sp>
+        <p:nvSpPr>
+          <p:cNvPr id="5" name="TextBox 4"/>
+          <p:cNvSpPr txBox="1"/>
+          <p:nvPr/>
+        </p:nvSpPr>
+        <p:spPr>
+          <a:xfrm>
+            <a:off x="280670" y="1269365"/>
+            <a:ext cx="8362315" cy="1920240"/>
+          </a:xfrm>
+          <a:prstGeom prst="rect">
+            <a:avLst/>
+          </a:prstGeom>
+          <a:noFill/>
+        </p:spPr>
+        <p:txBody>
+          <a:bodyPr wrap="square" rtlCol="0" anchor="t">
+            <a:spAutoFit/>
+          </a:bodyPr>
+          <a:lstStyle/>
+          <a:p>
+            <a:endParaRPr sz="2400">
+              <a:solidFill>
+                <a:srgbClr val="9F2D20"/>
+              </a:solidFill>
+            </a:endParaRPr>
+          </a:p>
+          <a:p>
+            <a:r>
+              <a:rPr lang="x-none" sz="2400" dirty="0">
+                <a:solidFill>
+                  <a:srgbClr val="9F2D20"/>
+                </a:solidFill>
+                <a:sym typeface="+mn-ea"/>
+              </a:rPr>
+              <a:t>SELECT </a:t>
+            </a:r>
+            <a:r>
+              <a:rPr lang="x-none" sz="2400" dirty="0">
+                <a:sym typeface="+mn-ea"/>
+              </a:rPr>
+              <a:t>g.number, count(s.id) </a:t>
+            </a:r>
+            <a:r>
+              <a:rPr lang="x-none" sz="2400" dirty="0">
+                <a:solidFill>
+                  <a:srgbClr val="9F2D20"/>
+                </a:solidFill>
+                <a:sym typeface="+mn-ea"/>
+              </a:rPr>
+              <a:t>AS </a:t>
+            </a:r>
+            <a:r>
+              <a:rPr lang="x-none" sz="2400" dirty="0">
+                <a:sym typeface="+mn-ea"/>
+              </a:rPr>
+              <a:t>student_amount </a:t>
+            </a:r>
+            <a:endParaRPr lang="x-none" sz="2400" dirty="0">
+              <a:solidFill>
+                <a:schemeClr val="tx1"/>
+              </a:solidFill>
+              <a:sym typeface="+mn-ea"/>
+            </a:endParaRPr>
+          </a:p>
+          <a:p>
+            <a:r>
+              <a:rPr lang="x-none" sz="2400" dirty="0">
+                <a:solidFill>
+                  <a:srgbClr val="9F2D20"/>
+                </a:solidFill>
+                <a:sym typeface="+mn-ea"/>
+              </a:rPr>
+              <a:t>FROM </a:t>
+            </a:r>
+            <a:r>
+              <a:rPr lang="x-none" sz="2400" dirty="0">
+                <a:sym typeface="+mn-ea"/>
+              </a:rPr>
+              <a:t>students </a:t>
+            </a:r>
+            <a:r>
+              <a:rPr lang="x-none" sz="2400" dirty="0">
+                <a:solidFill>
+                  <a:srgbClr val="9F2D20"/>
+                </a:solidFill>
+                <a:sym typeface="+mn-ea"/>
+              </a:rPr>
+              <a:t>AS </a:t>
+            </a:r>
+            <a:r>
+              <a:rPr lang="x-none" sz="2400" dirty="0">
+                <a:sym typeface="+mn-ea"/>
+              </a:rPr>
+              <a:t>s </a:t>
+            </a:r>
+            <a:endParaRPr lang="x-none" sz="2400" dirty="0">
+              <a:solidFill>
+                <a:schemeClr val="tx1"/>
+              </a:solidFill>
+              <a:sym typeface="+mn-ea"/>
+            </a:endParaRPr>
+          </a:p>
+          <a:p>
+            <a:r>
+              <a:rPr lang="x-none" sz="2400" dirty="0">
+                <a:solidFill>
+                  <a:srgbClr val="9F2D20"/>
+                </a:solidFill>
+                <a:sym typeface="+mn-ea"/>
+              </a:rPr>
+              <a:t>INNER JOIN</a:t>
+            </a:r>
+            <a:r>
+              <a:rPr lang="x-none" sz="2400" dirty="0">
+                <a:sym typeface="+mn-ea"/>
+              </a:rPr>
+              <a:t> groups </a:t>
+            </a:r>
+            <a:r>
+              <a:rPr lang="x-none" sz="2400" dirty="0">
+                <a:solidFill>
+                  <a:srgbClr val="9F2D20"/>
+                </a:solidFill>
+                <a:sym typeface="+mn-ea"/>
+              </a:rPr>
+              <a:t>AS </a:t>
+            </a:r>
+            <a:r>
+              <a:rPr lang="x-none" sz="2400" dirty="0">
+                <a:sym typeface="+mn-ea"/>
+              </a:rPr>
+              <a:t>g ON ()</a:t>
+            </a:r>
+            <a:endParaRPr lang="x-none" sz="2400" dirty="0">
+              <a:solidFill>
+                <a:schemeClr val="tx1"/>
+              </a:solidFill>
+              <a:sym typeface="+mn-ea"/>
+            </a:endParaRPr>
+          </a:p>
+          <a:p>
+            <a:r>
+              <a:rPr lang="x-none" sz="2400" dirty="0">
+                <a:solidFill>
+                  <a:srgbClr val="9F2D20"/>
+                </a:solidFill>
+                <a:sym typeface="+mn-ea"/>
+              </a:rPr>
+              <a:t>GROUP BY</a:t>
+            </a:r>
+            <a:r>
+              <a:rPr lang="x-none" sz="2400" dirty="0">
+                <a:sym typeface="+mn-ea"/>
+              </a:rPr>
+              <a:t> g.id</a:t>
+            </a:r>
+            <a:endParaRPr sz="2400"/>
+          </a:p>
+        </p:txBody>
+      </p:sp>
+    </p:spTree>
+  </p:cSld>
+  <p:clrMapOvr>
+    <a:masterClrMapping/>
+  </p:clrMapOvr>
+</p:sld>
+</file>
+
+<file path=ppt/slides/slide7.xml><?xml version="1.0" encoding="utf-8"?>
+<p:sld xmlns:a="http://schemas.openxmlformats.org/drawingml/2006/main" xmlns:r="http://schemas.openxmlformats.org/officeDocument/2006/relationships" xmlns:p="http://schemas.openxmlformats.org/presentationml/2006/main">
+  <p:cSld>
+    <p:spTree>
+      <p:nvGrpSpPr>
+        <p:cNvPr id="1" name=""/>
+        <p:cNvGrpSpPr/>
+        <p:nvPr/>
+      </p:nvGrpSpPr>
+      <p:grpSpPr>
+        <a:xfrm>
+          <a:off x="0" y="0"/>
+          <a:ext cx="0" cy="0"/>
+          <a:chOff x="0" y="0"/>
+          <a:chExt cx="0" cy="0"/>
+        </a:xfrm>
+      </p:grpSpPr>
+      <p:sp>
+        <p:nvSpPr>
+          <p:cNvPr id="2" name="Заголовок 1"/>
+          <p:cNvSpPr>
+            <a:spLocks noGrp="1"/>
+          </p:cNvSpPr>
+          <p:nvPr>
+            <p:ph type="title"/>
+          </p:nvPr>
+        </p:nvSpPr>
+        <p:spPr>
+          <a:xfrm>
+            <a:off x="2411760" y="188640"/>
+            <a:ext cx="6480720" cy="418058"/>
+          </a:xfrm>
+        </p:spPr>
+        <p:txBody>
+          <a:bodyPr>
+            <a:noAutofit/>
+          </a:bodyPr>
+          <a:lstStyle/>
+          <a:p>
+            <a:r>
+              <a:rPr lang="x-none" altLang="en-US" sz="2800" dirty="0"/>
+              <a:t>Ошибки</a:t>
+            </a:r>
+          </a:p>
+        </p:txBody>
+      </p:sp>
+      <p:sp>
+        <p:nvSpPr>
+          <p:cNvPr id="4" name="Номер слайда 3"/>
+          <p:cNvSpPr>
+            <a:spLocks noGrp="1"/>
+          </p:cNvSpPr>
+          <p:nvPr>
+            <p:ph type="sldNum" sz="quarter" idx="12"/>
+          </p:nvPr>
+        </p:nvSpPr>
+        <p:spPr/>
+        <p:txBody>
+          <a:bodyPr/>
+          <a:lstStyle/>
+          <a:p>
+            <a:fld id="{33067CA6-2D92-4602-87FB-B81B94BA46B2}" type="slidenum">
+              <a:rPr lang="ru-RU" smtClean="0"/>
+              <a:t>7</a:t>
             </a:fld>
             <a:endParaRPr lang="ru-RU" dirty="0"/>
           </a:p>
@@ -3480,11 +3562,6 @@
               </a:rPr>
               <a:t>Целевой список выборки неверный</a:t>
             </a:r>
-            <a:endParaRPr lang="x-none" sz="2000" dirty="0">
-              <a:solidFill>
-                <a:schemeClr val="tx1"/>
-              </a:solidFill>
-            </a:endParaRPr>
           </a:p>
           <a:p>
             <a:pPr marL="342900" indent="-342900">
@@ -3499,11 +3576,6 @@
               </a:rPr>
               <a:t>Не описываются данные, которые выбираются</a:t>
             </a:r>
-            <a:endParaRPr lang="x-none" sz="2000" dirty="0">
-              <a:solidFill>
-                <a:schemeClr val="tx1"/>
-              </a:solidFill>
-            </a:endParaRPr>
           </a:p>
           <a:p>
             <a:pPr marL="342900" indent="-342900">
@@ -3518,11 +3590,6 @@
               </a:rPr>
               <a:t>Отсутствия алиасов</a:t>
             </a:r>
-            <a:endParaRPr lang="x-none" sz="2000" dirty="0">
-              <a:solidFill>
-                <a:schemeClr val="tx1"/>
-              </a:solidFill>
-            </a:endParaRPr>
           </a:p>
           <a:p>
             <a:pPr marL="342900" indent="-342900">
@@ -3537,11 +3604,6 @@
               </a:rPr>
               <a:t>Плохой подбор не параметризованного запроса и его оптимизация</a:t>
             </a:r>
-            <a:endParaRPr lang="x-none" sz="2000" dirty="0">
-              <a:solidFill>
-                <a:schemeClr val="tx1"/>
-              </a:solidFill>
-            </a:endParaRPr>
           </a:p>
           <a:p>
             <a:pPr marL="342900" indent="-342900">
@@ -3556,11 +3618,6 @@
               </a:rPr>
               <a:t>Отсутствие примера параметров (списка значений)</a:t>
             </a:r>
-            <a:endParaRPr lang="x-none" sz="2000" dirty="0">
-              <a:solidFill>
-                <a:schemeClr val="tx1"/>
-              </a:solidFill>
-            </a:endParaRPr>
           </a:p>
           <a:p>
             <a:pPr marL="342900" indent="-342900">
@@ -3575,11 +3632,6 @@
               </a:rPr>
               <a:t>Колонка в качестве параметров</a:t>
             </a:r>
-            <a:endParaRPr lang="x-none" sz="2000" dirty="0">
-              <a:solidFill>
-                <a:schemeClr val="tx1"/>
-              </a:solidFill>
-            </a:endParaRPr>
           </a:p>
           <a:p>
             <a:pPr marL="342900" indent="-342900">
@@ -3594,11 +3646,6 @@
               </a:rPr>
               <a:t>Группировки не по PK, UK, DISTINCT</a:t>
             </a:r>
-            <a:endParaRPr lang="x-none" sz="2000" dirty="0">
-              <a:solidFill>
-                <a:schemeClr val="tx1"/>
-              </a:solidFill>
-            </a:endParaRPr>
           </a:p>
           <a:p>
             <a:pPr marL="342900" indent="-342900">
@@ -3613,11 +3660,6 @@
               </a:rPr>
               <a:t>Запросы дубликаты</a:t>
             </a:r>
-            <a:endParaRPr lang="x-none" sz="2000" dirty="0">
-              <a:solidFill>
-                <a:schemeClr val="tx1"/>
-              </a:solidFill>
-            </a:endParaRPr>
           </a:p>
           <a:p>
             <a:pPr marL="342900" indent="-342900">
@@ -3643,11 +3685,6 @@
               </a:rPr>
               <a:t>Переоптимизация</a:t>
             </a:r>
-            <a:endParaRPr lang="x-none" sz="2000" dirty="0">
-              <a:solidFill>
-                <a:schemeClr val="tx1"/>
-              </a:solidFill>
-            </a:endParaRPr>
           </a:p>
           <a:p>
             <a:pPr marL="342900" indent="-342900">
@@ -3662,11 +3699,6 @@
               </a:rPr>
               <a:t>Уже существующие ключи и описание</a:t>
             </a:r>
-            <a:endParaRPr lang="x-none" sz="2000" dirty="0">
-              <a:solidFill>
-                <a:schemeClr val="tx1"/>
-              </a:solidFill>
-            </a:endParaRPr>
           </a:p>
           <a:p>
             <a:pPr marL="342900" indent="-342900">
@@ -3681,11 +3713,6 @@
               </a:rPr>
               <a:t>Ключи на склейку</a:t>
             </a:r>
-            <a:endParaRPr lang="x-none" sz="2000" dirty="0">
-              <a:solidFill>
-                <a:schemeClr val="tx1"/>
-              </a:solidFill>
-            </a:endParaRPr>
           </a:p>
           <a:p>
             <a:pPr marL="342900" indent="-342900">
@@ -3700,11 +3727,6 @@
               </a:rPr>
               <a:t>Ключи поверх имеющихся</a:t>
             </a:r>
-            <a:endParaRPr lang="x-none" sz="2000" dirty="0">
-              <a:solidFill>
-                <a:schemeClr val="tx1"/>
-              </a:solidFill>
-            </a:endParaRPr>
           </a:p>
         </p:txBody>
       </p:sp>
@@ -3716,7 +3738,7 @@
 </p:sld>
 </file>
 
-<file path=ppt/slides/slide7.xml><?xml version="1.0" encoding="utf-8"?>
+<file path=ppt/slides/slide8.xml><?xml version="1.0" encoding="utf-8"?>
 <p:sld xmlns:a="http://schemas.openxmlformats.org/drawingml/2006/main" xmlns:r="http://schemas.openxmlformats.org/officeDocument/2006/relationships" xmlns:p="http://schemas.openxmlformats.org/presentationml/2006/main">
   <p:cSld>
     <p:spTree>

--- a/Presentations/Lab_7_Correction_of_Mistakes.pptx
+++ b/Presentations/Lab_7_Correction_of_Mistakes.pptx
@@ -2898,7 +2898,7 @@
         <p:spPr>
           <a:xfrm>
             <a:off x="280670" y="1269365"/>
-            <a:ext cx="8362315" cy="3970020"/>
+            <a:ext cx="8362315" cy="4124206"/>
           </a:xfrm>
           <a:prstGeom prst="rect">
             <a:avLst/>
@@ -2920,7 +2920,7 @@
           </a:p>
           <a:p>
             <a:r>
-              <a:rPr lang="x-none" sz="2300" dirty="0">
+              <a:rPr lang="x-none" sz="2400" dirty="0">
                 <a:solidFill>
                   <a:srgbClr val="9F2D20"/>
                 </a:solidFill>
@@ -2929,7 +2929,7 @@
               <a:t>SELECT </a:t>
             </a:r>
             <a:r>
-              <a:rPr lang="x-none" sz="2300" dirty="0">
+              <a:rPr lang="x-none" sz="2400" dirty="0">
                 <a:solidFill>
                   <a:schemeClr val="tx1"/>
                 </a:solidFill>
@@ -2938,7 +2938,7 @@
               <a:t>g.number, count(*) </a:t>
             </a:r>
             <a:r>
-              <a:rPr lang="x-none" sz="2300" dirty="0">
+              <a:rPr lang="x-none" sz="2400" dirty="0">
                 <a:solidFill>
                   <a:srgbClr val="9F2D20"/>
                 </a:solidFill>
@@ -2947,7 +2947,7 @@
               <a:t>AS </a:t>
             </a:r>
             <a:r>
-              <a:rPr lang="x-none" sz="2300" dirty="0">
+              <a:rPr lang="x-none" sz="2400" dirty="0">
                 <a:solidFill>
                   <a:schemeClr val="tx1"/>
                 </a:solidFill>
@@ -2958,7 +2958,7 @@
           </a:p>
           <a:p>
             <a:r>
-              <a:rPr lang="x-none" sz="2300" dirty="0">
+              <a:rPr lang="x-none" sz="2400" dirty="0">
                 <a:solidFill>
                   <a:srgbClr val="9F2D20"/>
                 </a:solidFill>
@@ -2967,7 +2967,7 @@
               <a:t>FROM </a:t>
             </a:r>
             <a:r>
-              <a:rPr lang="x-none" sz="2300" dirty="0">
+              <a:rPr lang="x-none" sz="2400" dirty="0">
                 <a:solidFill>
                   <a:schemeClr val="tx1"/>
                 </a:solidFill>
@@ -2976,7 +2976,7 @@
               <a:t>students </a:t>
             </a:r>
             <a:r>
-              <a:rPr lang="x-none" sz="2300" dirty="0">
+              <a:rPr lang="x-none" sz="2400" dirty="0">
                 <a:solidFill>
                   <a:srgbClr val="9F2D20"/>
                 </a:solidFill>
@@ -2985,7 +2985,7 @@
               <a:t>AS </a:t>
             </a:r>
             <a:r>
-              <a:rPr lang="x-none" sz="2300" dirty="0">
+              <a:rPr lang="x-none" sz="2400" dirty="0">
                 <a:solidFill>
                   <a:schemeClr val="tx1"/>
                 </a:solidFill>
@@ -2996,7 +2996,7 @@
           </a:p>
           <a:p>
             <a:r>
-              <a:rPr lang="x-none" sz="2300" dirty="0">
+              <a:rPr lang="x-none" sz="2400" dirty="0">
                 <a:solidFill>
                   <a:srgbClr val="9F2D20"/>
                 </a:solidFill>
@@ -3005,7 +3005,7 @@
               <a:t>INNER JOIN</a:t>
             </a:r>
             <a:r>
-              <a:rPr lang="x-none" sz="2300" dirty="0">
+              <a:rPr lang="x-none" sz="2400" dirty="0">
                 <a:solidFill>
                   <a:schemeClr val="tx1"/>
                 </a:solidFill>
@@ -3014,7 +3014,7 @@
               <a:t> groups </a:t>
             </a:r>
             <a:r>
-              <a:rPr lang="x-none" sz="2300" dirty="0">
+              <a:rPr lang="x-none" sz="2400" dirty="0">
                 <a:solidFill>
                   <a:srgbClr val="9F2D20"/>
                 </a:solidFill>
@@ -3023,18 +3023,31 @@
               <a:t>AS </a:t>
             </a:r>
             <a:r>
-              <a:rPr lang="x-none" sz="2300" dirty="0">
+              <a:rPr lang="x-none" sz="2400" dirty="0">
                 <a:solidFill>
                   <a:schemeClr val="tx1"/>
                 </a:solidFill>
                 <a:sym typeface="+mn-ea"/>
               </a:rPr>
-              <a:t>g ON ()</a:t>
-            </a:r>
-          </a:p>
-          <a:p>
-            <a:r>
-              <a:rPr lang="x-none" sz="2300" dirty="0">
+              <a:t>g ON (</a:t>
+            </a:r>
+            <a:r>
+              <a:rPr lang="x-none" altLang="ru-RU" sz="2400" dirty="0"/>
+              <a:t>g.id = s.group_id</a:t>
+            </a:r>
+            <a:r>
+              <a:rPr lang="x-none" sz="2400" dirty="0">
+                <a:solidFill>
+                  <a:schemeClr val="tx1"/>
+                </a:solidFill>
+                <a:sym typeface="+mn-ea"/>
+              </a:rPr>
+              <a:t>)</a:t>
+            </a:r>
+          </a:p>
+          <a:p>
+            <a:r>
+              <a:rPr lang="x-none" sz="2400" dirty="0">
                 <a:solidFill>
                   <a:srgbClr val="9F2D20"/>
                 </a:solidFill>
@@ -3043,7 +3056,7 @@
               <a:t>GROUP BY</a:t>
             </a:r>
             <a:r>
-              <a:rPr lang="x-none" sz="2300" dirty="0">
+              <a:rPr lang="x-none" sz="2400" dirty="0">
                 <a:solidFill>
                   <a:schemeClr val="tx1"/>
                 </a:solidFill>
@@ -3053,7 +3066,7 @@
             </a:r>
           </a:p>
           <a:p>
-            <a:endParaRPr lang="x-none" sz="2300" dirty="0">
+            <a:endParaRPr lang="x-none" sz="2400" dirty="0">
               <a:solidFill>
                 <a:schemeClr val="tx1"/>
               </a:solidFill>
@@ -3062,7 +3075,7 @@
           </a:p>
           <a:p>
             <a:r>
-              <a:rPr lang="x-none" sz="2300" dirty="0">
+              <a:rPr lang="x-none" sz="2400" dirty="0">
                 <a:solidFill>
                   <a:srgbClr val="9F2D20"/>
                 </a:solidFill>
@@ -3071,13 +3084,13 @@
               <a:t>SELECT </a:t>
             </a:r>
             <a:r>
-              <a:rPr lang="x-none" sz="2300" dirty="0">
+              <a:rPr lang="x-none" sz="2400" dirty="0">
                 <a:sym typeface="+mn-ea"/>
               </a:rPr>
               <a:t>g.number, count(*) </a:t>
             </a:r>
             <a:r>
-              <a:rPr lang="x-none" sz="2300" dirty="0">
+              <a:rPr lang="x-none" sz="2400" dirty="0">
                 <a:solidFill>
                   <a:srgbClr val="9F2D20"/>
                 </a:solidFill>
@@ -3086,12 +3099,12 @@
               <a:t>AS </a:t>
             </a:r>
             <a:r>
-              <a:rPr lang="x-none" sz="2300" dirty="0">
+              <a:rPr lang="x-none" sz="2400" dirty="0">
                 <a:sym typeface="+mn-ea"/>
               </a:rPr>
               <a:t>student_amount </a:t>
             </a:r>
-            <a:endParaRPr lang="x-none" sz="2300" dirty="0">
+            <a:endParaRPr lang="x-none" sz="2400" dirty="0">
               <a:solidFill>
                 <a:schemeClr val="tx1"/>
               </a:solidFill>
@@ -3100,7 +3113,7 @@
           </a:p>
           <a:p>
             <a:r>
-              <a:rPr lang="x-none" sz="2300" dirty="0">
+              <a:rPr lang="x-none" sz="2400" dirty="0">
                 <a:solidFill>
                   <a:srgbClr val="9F2D20"/>
                 </a:solidFill>
@@ -3109,13 +3122,13 @@
               <a:t>FROM </a:t>
             </a:r>
             <a:r>
-              <a:rPr lang="x-none" sz="2300" dirty="0">
+              <a:rPr lang="x-none" sz="2400" dirty="0">
                 <a:sym typeface="+mn-ea"/>
               </a:rPr>
               <a:t>students </a:t>
             </a:r>
             <a:r>
-              <a:rPr lang="x-none" sz="2300" dirty="0">
+              <a:rPr lang="x-none" sz="2400" dirty="0">
                 <a:solidFill>
                   <a:srgbClr val="9F2D20"/>
                 </a:solidFill>
@@ -3124,12 +3137,12 @@
               <a:t>AS </a:t>
             </a:r>
             <a:r>
-              <a:rPr lang="x-none" sz="2300" dirty="0">
+              <a:rPr lang="x-none" sz="2400" dirty="0">
                 <a:sym typeface="+mn-ea"/>
               </a:rPr>
               <a:t>s </a:t>
             </a:r>
-            <a:endParaRPr lang="x-none" sz="2300" dirty="0">
+            <a:endParaRPr lang="x-none" sz="2400" dirty="0">
               <a:solidFill>
                 <a:schemeClr val="tx1"/>
               </a:solidFill>
@@ -3138,22 +3151,31 @@
           </a:p>
           <a:p>
             <a:r>
-              <a:rPr lang="x-none" sz="2300" dirty="0">
+              <a:rPr lang="en-US" sz="2400" dirty="0">
                 <a:solidFill>
                   <a:srgbClr val="9F2D20"/>
                 </a:solidFill>
                 <a:sym typeface="+mn-ea"/>
               </a:rPr>
-              <a:t>INNER JOIN</a:t>
-            </a:r>
-            <a:r>
-              <a:rPr lang="x-none" sz="2300" dirty="0">
+              <a:t>RIGHT</a:t>
+            </a:r>
+            <a:r>
+              <a:rPr lang="x-none" sz="2400" dirty="0">
+                <a:solidFill>
+                  <a:srgbClr val="9F2D20"/>
+                </a:solidFill>
+                <a:sym typeface="+mn-ea"/>
+              </a:rPr>
+              <a:t> JOIN</a:t>
+            </a:r>
+            <a:r>
+              <a:rPr lang="x-none" sz="2400" dirty="0">
                 <a:sym typeface="+mn-ea"/>
               </a:rPr>
               <a:t> groups </a:t>
             </a:r>
             <a:r>
-              <a:rPr lang="x-none" sz="2300" dirty="0">
+              <a:rPr lang="x-none" sz="2400" dirty="0">
                 <a:solidFill>
                   <a:srgbClr val="9F2D20"/>
                 </a:solidFill>
@@ -3162,12 +3184,22 @@
               <a:t>AS </a:t>
             </a:r>
             <a:r>
-              <a:rPr lang="x-none" sz="2300" dirty="0">
-                <a:sym typeface="+mn-ea"/>
-              </a:rPr>
-              <a:t>g ON ()</a:t>
-            </a:r>
-            <a:endParaRPr lang="x-none" sz="2300" dirty="0">
+              <a:rPr lang="x-none" sz="2400" dirty="0">
+                <a:sym typeface="+mn-ea"/>
+              </a:rPr>
+              <a:t>g ON (</a:t>
+            </a:r>
+            <a:r>
+              <a:rPr lang="x-none" altLang="ru-RU" sz="2400" dirty="0"/>
+              <a:t>g.id = s.group_id</a:t>
+            </a:r>
+            <a:r>
+              <a:rPr lang="x-none" sz="2400" dirty="0">
+                <a:sym typeface="+mn-ea"/>
+              </a:rPr>
+              <a:t>)</a:t>
+            </a:r>
+            <a:endParaRPr lang="x-none" sz="2400" dirty="0">
               <a:solidFill>
                 <a:schemeClr val="tx1"/>
               </a:solidFill>
@@ -3176,7 +3208,7 @@
           </a:p>
           <a:p>
             <a:r>
-              <a:rPr lang="x-none" sz="2300" dirty="0">
+              <a:rPr lang="x-none" sz="2400" dirty="0">
                 <a:solidFill>
                   <a:srgbClr val="9F2D20"/>
                 </a:solidFill>
@@ -3185,12 +3217,12 @@
               <a:t>GROUP BY</a:t>
             </a:r>
             <a:r>
-              <a:rPr lang="x-none" sz="2300" dirty="0">
+              <a:rPr lang="x-none" sz="2400" dirty="0">
                 <a:sym typeface="+mn-ea"/>
               </a:rPr>
               <a:t> g.id</a:t>
             </a:r>
-            <a:endParaRPr lang="x-none" sz="2300" dirty="0">
+            <a:endParaRPr lang="x-none" sz="2400" dirty="0">
               <a:solidFill>
                 <a:schemeClr val="tx1"/>
               </a:solidFill>
@@ -3311,7 +3343,7 @@
           </a:bodyPr>
           <a:lstStyle/>
           <a:p>
-            <a:endParaRPr sz="2400">
+            <a:endParaRPr sz="2400" dirty="0">
               <a:solidFill>
                 <a:srgbClr val="9F2D20"/>
               </a:solidFill>
@@ -3395,13 +3427,22 @@
           </a:p>
           <a:p>
             <a:r>
-              <a:rPr lang="x-none" sz="2400" dirty="0">
+              <a:rPr lang="en-US" sz="2400" dirty="0">
                 <a:solidFill>
                   <a:srgbClr val="9F2D20"/>
                 </a:solidFill>
                 <a:sym typeface="+mn-ea"/>
               </a:rPr>
-              <a:t>INNER JOIN</a:t>
+              <a:t>RIGHT</a:t>
+            </a:r>
+            <a:r>
+              <a:rPr lang="x-none" sz="2400" dirty="0">
+                <a:solidFill>
+                  <a:srgbClr val="9F2D20"/>
+                </a:solidFill>
+                <a:sym typeface="+mn-ea"/>
+              </a:rPr>
+              <a:t> JOIN</a:t>
             </a:r>
             <a:r>
               <a:rPr lang="x-none" sz="2400" dirty="0">
@@ -3422,7 +3463,17 @@
               <a:rPr lang="x-none" sz="2400" dirty="0">
                 <a:sym typeface="+mn-ea"/>
               </a:rPr>
-              <a:t>g ON ()</a:t>
+              <a:t>g ON (</a:t>
+            </a:r>
+            <a:r>
+              <a:rPr lang="x-none" altLang="ru-RU" sz="2400" dirty="0"/>
+              <a:t>g.id = s.group_id</a:t>
+            </a:r>
+            <a:r>
+              <a:rPr lang="x-none" sz="2400" dirty="0">
+                <a:sym typeface="+mn-ea"/>
+              </a:rPr>
+              <a:t>)</a:t>
             </a:r>
             <a:endParaRPr lang="x-none" sz="2400" dirty="0">
               <a:solidFill>
@@ -3447,7 +3498,7 @@
               </a:rPr>
               <a:t> g.id</a:t>
             </a:r>
-            <a:endParaRPr sz="2400"/>
+            <a:endParaRPr sz="2400" dirty="0"/>
           </a:p>
         </p:txBody>
       </p:sp>
